--- a/DsDotNet/src/UnitTest/UnitTest.Model/ImportOfficeExample/ppt/T2_Flow.pptx
+++ b/DsDotNet/src/UnitTest/UnitTest.Model/ImportOfficeExample/ppt/T2_Flow.pptx
@@ -219,7 +219,7 @@
           <a:p>
             <a:fld id="{DD503887-5801-43A0-AEF9-041E8DDC2558}" type="datetimeFigureOut">
               <a:rPr lang="ko-KR" altLang="en-US" smtClean="0"/>
-              <a:t>2022-12-08</a:t>
+              <a:t>2023-10-11</a:t>
             </a:fld>
             <a:endParaRPr lang="ko-KR" altLang="en-US"/>
           </a:p>
@@ -396,7 +396,7 @@
           <a:p>
             <a:fld id="{95336A0E-57B1-4D4C-BD9B-2F72B5943464}" type="datetimeFigureOut">
               <a:rPr lang="ko-KR" altLang="en-US" smtClean="0"/>
-              <a:t>2022-12-08</a:t>
+              <a:t>2023-10-11</a:t>
             </a:fld>
             <a:endParaRPr lang="ko-KR" altLang="en-US"/>
           </a:p>
@@ -758,7 +758,7 @@
           <a:effectLst/>
           <a:extLst>
             <a:ext uri="{91240B29-F687-4f45-9708-019B960494DF}">
-              <a14:hiddenLine xmlns:a14="http://schemas.microsoft.com/office/drawing/2010/main" xmlns="" w="9525">
+              <a14:hiddenLine xmlns="" xmlns:a14="http://schemas.microsoft.com/office/drawing/2010/main" w="9525">
                 <a:solidFill>
                   <a:srgbClr val="000000"/>
                 </a:solidFill>
@@ -950,7 +950,7 @@
           <a:p>
             <a:fld id="{DEA6EBF0-8E22-42A7-9BEA-2AC7066E6498}" type="datetimeFigureOut">
               <a:rPr lang="ko-KR" altLang="en-US" smtClean="0"/>
-              <a:t>2022-12-08</a:t>
+              <a:t>2023-10-11</a:t>
             </a:fld>
             <a:endParaRPr lang="ko-KR" altLang="en-US"/>
           </a:p>
@@ -1268,7 +1268,7 @@
           <a:p>
             <a:fld id="{DEA6EBF0-8E22-42A7-9BEA-2AC7066E6498}" type="datetimeFigureOut">
               <a:rPr lang="ko-KR" altLang="en-US" smtClean="0"/>
-              <a:t>2022-12-08</a:t>
+              <a:t>2023-10-11</a:t>
             </a:fld>
             <a:endParaRPr lang="ko-KR" altLang="en-US"/>
           </a:p>
@@ -1756,7 +1756,7 @@
           <a:p>
             <a:fld id="{DEA6EBF0-8E22-42A7-9BEA-2AC7066E6498}" type="datetimeFigureOut">
               <a:rPr lang="ko-KR" altLang="en-US" smtClean="0"/>
-              <a:t>2022-12-08</a:t>
+              <a:t>2023-10-11</a:t>
             </a:fld>
             <a:endParaRPr lang="ko-KR" altLang="en-US"/>
           </a:p>
@@ -2125,7 +2125,7 @@
           <a:p>
             <a:fld id="{DEA6EBF0-8E22-42A7-9BEA-2AC7066E6498}" type="datetimeFigureOut">
               <a:rPr lang="ko-KR" altLang="en-US" smtClean="0"/>
-              <a:t>2022-12-08</a:t>
+              <a:t>2023-10-11</a:t>
             </a:fld>
             <a:endParaRPr lang="ko-KR" altLang="en-US"/>
           </a:p>
@@ -2280,7 +2280,7 @@
           <a:ln/>
           <a:extLst>
             <a:ext uri="{91240B29-F687-4f45-9708-019B960494DF}">
-              <a14:hiddenLine xmlns:a14="http://schemas.microsoft.com/office/drawing/2010/main" xmlns="" w="9525">
+              <a14:hiddenLine xmlns="" xmlns:a14="http://schemas.microsoft.com/office/drawing/2010/main" w="9525">
                 <a:solidFill>
                   <a:srgbClr val="000000"/>
                 </a:solidFill>
@@ -2398,7 +2398,7 @@
           <a:p>
             <a:fld id="{DEA6EBF0-8E22-42A7-9BEA-2AC7066E6498}" type="datetimeFigureOut">
               <a:rPr lang="ko-KR" altLang="en-US" smtClean="0"/>
-              <a:t>2022-12-08</a:t>
+              <a:t>2023-10-11</a:t>
             </a:fld>
             <a:endParaRPr lang="ko-KR" altLang="en-US"/>
           </a:p>
@@ -2555,7 +2555,7 @@
           <a:ln/>
           <a:extLst>
             <a:ext uri="{91240B29-F687-4f45-9708-019B960494DF}">
-              <a14:hiddenLine xmlns:a14="http://schemas.microsoft.com/office/drawing/2010/main" xmlns="" w="9525">
+              <a14:hiddenLine xmlns="" xmlns:a14="http://schemas.microsoft.com/office/drawing/2010/main" w="9525">
                 <a:solidFill>
                   <a:srgbClr val="000000"/>
                 </a:solidFill>
@@ -2683,7 +2683,7 @@
           <a:p>
             <a:fld id="{DEA6EBF0-8E22-42A7-9BEA-2AC7066E6498}" type="datetimeFigureOut">
               <a:rPr lang="ko-KR" altLang="en-US" smtClean="0"/>
-              <a:t>2022-12-08</a:t>
+              <a:t>2023-10-11</a:t>
             </a:fld>
             <a:endParaRPr lang="ko-KR" altLang="en-US"/>
           </a:p>
@@ -2838,7 +2838,7 @@
           <a:ln/>
           <a:extLst>
             <a:ext uri="{91240B29-F687-4f45-9708-019B960494DF}">
-              <a14:hiddenLine xmlns:a14="http://schemas.microsoft.com/office/drawing/2010/main" xmlns="" w="9525">
+              <a14:hiddenLine xmlns="" xmlns:a14="http://schemas.microsoft.com/office/drawing/2010/main" w="9525">
                 <a:solidFill>
                   <a:srgbClr val="000000"/>
                 </a:solidFill>
@@ -2966,7 +2966,7 @@
           <a:p>
             <a:fld id="{DEA6EBF0-8E22-42A7-9BEA-2AC7066E6498}" type="datetimeFigureOut">
               <a:rPr lang="ko-KR" altLang="en-US" smtClean="0"/>
-              <a:t>2022-12-08</a:t>
+              <a:t>2023-10-11</a:t>
             </a:fld>
             <a:endParaRPr lang="ko-KR" altLang="en-US"/>
           </a:p>
@@ -3309,7 +3309,7 @@
           <a:p>
             <a:fld id="{DEA6EBF0-8E22-42A7-9BEA-2AC7066E6498}" type="datetimeFigureOut">
               <a:rPr lang="ko-KR" altLang="en-US" smtClean="0"/>
-              <a:t>2022-12-08</a:t>
+              <a:t>2023-10-11</a:t>
             </a:fld>
             <a:endParaRPr lang="ko-KR" altLang="en-US"/>
           </a:p>
@@ -3464,7 +3464,7 @@
           <a:ln/>
           <a:extLst>
             <a:ext uri="{91240B29-F687-4f45-9708-019B960494DF}">
-              <a14:hiddenLine xmlns:a14="http://schemas.microsoft.com/office/drawing/2010/main" xmlns="" w="9525">
+              <a14:hiddenLine xmlns="" xmlns:a14="http://schemas.microsoft.com/office/drawing/2010/main" w="9525">
                 <a:solidFill>
                   <a:srgbClr val="000000"/>
                 </a:solidFill>
@@ -3648,7 +3648,7 @@
           <a:p>
             <a:fld id="{DEA6EBF0-8E22-42A7-9BEA-2AC7066E6498}" type="datetimeFigureOut">
               <a:rPr lang="ko-KR" altLang="en-US" smtClean="0"/>
-              <a:t>2022-12-08</a:t>
+              <a:t>2023-10-11</a:t>
             </a:fld>
             <a:endParaRPr lang="ko-KR" altLang="en-US"/>
           </a:p>
@@ -3803,7 +3803,7 @@
           <a:ln/>
           <a:extLst>
             <a:ext uri="{91240B29-F687-4f45-9708-019B960494DF}">
-              <a14:hiddenLine xmlns:a14="http://schemas.microsoft.com/office/drawing/2010/main" xmlns="" w="9525">
+              <a14:hiddenLine xmlns="" xmlns:a14="http://schemas.microsoft.com/office/drawing/2010/main" w="9525">
                 <a:solidFill>
                   <a:srgbClr val="000000"/>
                 </a:solidFill>
@@ -4125,7 +4125,7 @@
           <a:p>
             <a:fld id="{DEA6EBF0-8E22-42A7-9BEA-2AC7066E6498}" type="datetimeFigureOut">
               <a:rPr lang="ko-KR" altLang="en-US" smtClean="0"/>
-              <a:t>2022-12-08</a:t>
+              <a:t>2023-10-11</a:t>
             </a:fld>
             <a:endParaRPr lang="ko-KR" altLang="en-US"/>
           </a:p>
@@ -4243,7 +4243,7 @@
           <a:p>
             <a:fld id="{DEA6EBF0-8E22-42A7-9BEA-2AC7066E6498}" type="datetimeFigureOut">
               <a:rPr lang="ko-KR" altLang="en-US" smtClean="0"/>
-              <a:t>2022-12-08</a:t>
+              <a:t>2023-10-11</a:t>
             </a:fld>
             <a:endParaRPr lang="ko-KR" altLang="en-US"/>
           </a:p>
@@ -4338,7 +4338,7 @@
           <a:p>
             <a:fld id="{DEA6EBF0-8E22-42A7-9BEA-2AC7066E6498}" type="datetimeFigureOut">
               <a:rPr lang="ko-KR" altLang="en-US" smtClean="0"/>
-              <a:t>2022-12-08</a:t>
+              <a:t>2023-10-11</a:t>
             </a:fld>
             <a:endParaRPr lang="ko-KR" altLang="en-US"/>
           </a:p>
@@ -4606,7 +4606,7 @@
           <a:ln/>
           <a:extLst>
             <a:ext uri="{91240B29-F687-4f45-9708-019B960494DF}">
-              <a14:hiddenLine xmlns:a14="http://schemas.microsoft.com/office/drawing/2010/main" xmlns="" w="9525">
+              <a14:hiddenLine xmlns="" xmlns:a14="http://schemas.microsoft.com/office/drawing/2010/main" w="9525">
                 <a:solidFill>
                   <a:srgbClr val="000000"/>
                 </a:solidFill>
@@ -4805,7 +4805,7 @@
           <a:p>
             <a:fld id="{DEA6EBF0-8E22-42A7-9BEA-2AC7066E6498}" type="datetimeFigureOut">
               <a:rPr lang="ko-KR" altLang="en-US" smtClean="0"/>
-              <a:t>2022-12-08</a:t>
+              <a:t>2023-10-11</a:t>
             </a:fld>
             <a:endParaRPr lang="ko-KR" altLang="en-US"/>
           </a:p>
@@ -5118,7 +5118,7 @@
           <a:p>
             <a:fld id="{DEA6EBF0-8E22-42A7-9BEA-2AC7066E6498}" type="datetimeFigureOut">
               <a:rPr lang="ko-KR" altLang="en-US" smtClean="0"/>
-              <a:t>2022-12-08</a:t>
+              <a:t>2023-10-11</a:t>
             </a:fld>
             <a:endParaRPr lang="ko-KR" altLang="en-US"/>
           </a:p>
@@ -5388,7 +5388,7 @@
           <a:p>
             <a:fld id="{DEA6EBF0-8E22-42A7-9BEA-2AC7066E6498}" type="datetimeFigureOut">
               <a:rPr lang="ko-KR" altLang="en-US" smtClean="0"/>
-              <a:t>2022-12-08</a:t>
+              <a:t>2023-10-11</a:t>
             </a:fld>
             <a:endParaRPr lang="ko-KR" altLang="en-US"/>
           </a:p>
@@ -6114,7 +6114,11 @@
           <a:bodyPr/>
           <a:lstStyle/>
           <a:p>
-            <a:endParaRPr lang="ko-KR" altLang="en-US"/>
+            <a:r>
+              <a:rPr lang="ko-KR" altLang="en-US" dirty="0" err="1"/>
+              <a:t>항상이름필요</a:t>
+            </a:r>
+            <a:endParaRPr lang="ko-KR" altLang="en-US" dirty="0"/>
           </a:p>
         </p:txBody>
       </p:sp>
@@ -6144,75 +6148,8 @@
             </a:pPr>
             <a:r>
               <a:rPr lang="ko-KR" altLang="en-US" dirty="0"/>
-              <a:t>페이지 제목 미 입력시에  </a:t>
-            </a:r>
-            <a:r>
-              <a:rPr lang="en-US" altLang="ko-KR" dirty="0"/>
-              <a:t>Page# </a:t>
-            </a:r>
-            <a:r>
-              <a:rPr lang="ko-KR" altLang="en-US" dirty="0"/>
-              <a:t>로 자동으로 이름이 생성됩니다</a:t>
-            </a:r>
-            <a:r>
-              <a:rPr lang="en-US" altLang="ko-KR" dirty="0"/>
-              <a:t>.</a:t>
-            </a:r>
-          </a:p>
-          <a:p>
-            <a:pPr marL="0" indent="0">
-              <a:buNone/>
-            </a:pPr>
-            <a:endParaRPr lang="en-US" altLang="ko-KR" dirty="0"/>
-          </a:p>
-          <a:p>
-            <a:pPr marL="0" indent="0">
-              <a:buNone/>
-            </a:pPr>
-            <a:r>
-              <a:rPr lang="en-US" altLang="ko-KR" dirty="0"/>
-              <a:t>[sys] system1  = {</a:t>
-            </a:r>
-          </a:p>
-          <a:p>
-            <a:pPr marL="0" indent="0">
-              <a:buNone/>
-            </a:pPr>
-            <a:endParaRPr lang="en-US" altLang="ko-KR" dirty="0"/>
-          </a:p>
-          <a:p>
-            <a:pPr marL="0" indent="0">
-              <a:buNone/>
-            </a:pPr>
-            <a:r>
-              <a:rPr lang="en-US" altLang="ko-KR" dirty="0"/>
-              <a:t>	[flow] Page3 = {	}</a:t>
-            </a:r>
-          </a:p>
-          <a:p>
-            <a:pPr marL="0" indent="0">
-              <a:buNone/>
-            </a:pPr>
-            <a:endParaRPr lang="en-US" altLang="ko-KR" dirty="0"/>
-          </a:p>
-          <a:p>
-            <a:pPr marL="0" indent="0">
-              <a:buNone/>
-            </a:pPr>
-            <a:r>
-              <a:rPr lang="en-US" altLang="ko-KR" dirty="0"/>
-              <a:t>}</a:t>
-            </a:r>
-            <a:endParaRPr lang="ko-KR" altLang="en-US" dirty="0"/>
-          </a:p>
-          <a:p>
-            <a:pPr marL="0" indent="0">
-              <a:buNone/>
-            </a:pPr>
-            <a:endParaRPr lang="ko-KR" altLang="en-US" dirty="0"/>
-          </a:p>
-          <a:p>
-            <a:endParaRPr lang="ko-KR" altLang="en-US" dirty="0"/>
+              <a:t>페이지 제목 미 입력시에  에러</a:t>
+            </a:r>
           </a:p>
         </p:txBody>
       </p:sp>

--- a/DsDotNet/src/UnitTest/UnitTest.Model/ImportOfficeExample/ppt/T2_Flow.pptx
+++ b/DsDotNet/src/UnitTest/UnitTest.Model/ImportOfficeExample/ppt/T2_Flow.pptx
@@ -219,7 +219,7 @@
           <a:p>
             <a:fld id="{DD503887-5801-43A0-AEF9-041E8DDC2558}" type="datetimeFigureOut">
               <a:rPr lang="ko-KR" altLang="en-US" smtClean="0"/>
-              <a:t>2023-10-11</a:t>
+              <a:t>2024-03-13</a:t>
             </a:fld>
             <a:endParaRPr lang="ko-KR" altLang="en-US"/>
           </a:p>
@@ -396,7 +396,7 @@
           <a:p>
             <a:fld id="{95336A0E-57B1-4D4C-BD9B-2F72B5943464}" type="datetimeFigureOut">
               <a:rPr lang="ko-KR" altLang="en-US" smtClean="0"/>
-              <a:t>2023-10-11</a:t>
+              <a:t>2024-03-13</a:t>
             </a:fld>
             <a:endParaRPr lang="ko-KR" altLang="en-US"/>
           </a:p>
@@ -758,7 +758,7 @@
           <a:effectLst/>
           <a:extLst>
             <a:ext uri="{91240B29-F687-4f45-9708-019B960494DF}">
-              <a14:hiddenLine xmlns="" xmlns:a14="http://schemas.microsoft.com/office/drawing/2010/main" w="9525">
+              <a14:hiddenLine xmlns:a14="http://schemas.microsoft.com/office/drawing/2010/main" xmlns="" w="9525">
                 <a:solidFill>
                   <a:srgbClr val="000000"/>
                 </a:solidFill>
@@ -950,7 +950,7 @@
           <a:p>
             <a:fld id="{DEA6EBF0-8E22-42A7-9BEA-2AC7066E6498}" type="datetimeFigureOut">
               <a:rPr lang="ko-KR" altLang="en-US" smtClean="0"/>
-              <a:t>2023-10-11</a:t>
+              <a:t>2024-03-13</a:t>
             </a:fld>
             <a:endParaRPr lang="ko-KR" altLang="en-US"/>
           </a:p>
@@ -1268,7 +1268,7 @@
           <a:p>
             <a:fld id="{DEA6EBF0-8E22-42A7-9BEA-2AC7066E6498}" type="datetimeFigureOut">
               <a:rPr lang="ko-KR" altLang="en-US" smtClean="0"/>
-              <a:t>2023-10-11</a:t>
+              <a:t>2024-03-13</a:t>
             </a:fld>
             <a:endParaRPr lang="ko-KR" altLang="en-US"/>
           </a:p>
@@ -1756,7 +1756,7 @@
           <a:p>
             <a:fld id="{DEA6EBF0-8E22-42A7-9BEA-2AC7066E6498}" type="datetimeFigureOut">
               <a:rPr lang="ko-KR" altLang="en-US" smtClean="0"/>
-              <a:t>2023-10-11</a:t>
+              <a:t>2024-03-13</a:t>
             </a:fld>
             <a:endParaRPr lang="ko-KR" altLang="en-US"/>
           </a:p>
@@ -2125,7 +2125,7 @@
           <a:p>
             <a:fld id="{DEA6EBF0-8E22-42A7-9BEA-2AC7066E6498}" type="datetimeFigureOut">
               <a:rPr lang="ko-KR" altLang="en-US" smtClean="0"/>
-              <a:t>2023-10-11</a:t>
+              <a:t>2024-03-13</a:t>
             </a:fld>
             <a:endParaRPr lang="ko-KR" altLang="en-US"/>
           </a:p>
@@ -2280,7 +2280,7 @@
           <a:ln/>
           <a:extLst>
             <a:ext uri="{91240B29-F687-4f45-9708-019B960494DF}">
-              <a14:hiddenLine xmlns="" xmlns:a14="http://schemas.microsoft.com/office/drawing/2010/main" w="9525">
+              <a14:hiddenLine xmlns:a14="http://schemas.microsoft.com/office/drawing/2010/main" xmlns="" w="9525">
                 <a:solidFill>
                   <a:srgbClr val="000000"/>
                 </a:solidFill>
@@ -2398,7 +2398,7 @@
           <a:p>
             <a:fld id="{DEA6EBF0-8E22-42A7-9BEA-2AC7066E6498}" type="datetimeFigureOut">
               <a:rPr lang="ko-KR" altLang="en-US" smtClean="0"/>
-              <a:t>2023-10-11</a:t>
+              <a:t>2024-03-13</a:t>
             </a:fld>
             <a:endParaRPr lang="ko-KR" altLang="en-US"/>
           </a:p>
@@ -2555,7 +2555,7 @@
           <a:ln/>
           <a:extLst>
             <a:ext uri="{91240B29-F687-4f45-9708-019B960494DF}">
-              <a14:hiddenLine xmlns="" xmlns:a14="http://schemas.microsoft.com/office/drawing/2010/main" w="9525">
+              <a14:hiddenLine xmlns:a14="http://schemas.microsoft.com/office/drawing/2010/main" xmlns="" w="9525">
                 <a:solidFill>
                   <a:srgbClr val="000000"/>
                 </a:solidFill>
@@ -2683,7 +2683,7 @@
           <a:p>
             <a:fld id="{DEA6EBF0-8E22-42A7-9BEA-2AC7066E6498}" type="datetimeFigureOut">
               <a:rPr lang="ko-KR" altLang="en-US" smtClean="0"/>
-              <a:t>2023-10-11</a:t>
+              <a:t>2024-03-13</a:t>
             </a:fld>
             <a:endParaRPr lang="ko-KR" altLang="en-US"/>
           </a:p>
@@ -2838,7 +2838,7 @@
           <a:ln/>
           <a:extLst>
             <a:ext uri="{91240B29-F687-4f45-9708-019B960494DF}">
-              <a14:hiddenLine xmlns="" xmlns:a14="http://schemas.microsoft.com/office/drawing/2010/main" w="9525">
+              <a14:hiddenLine xmlns:a14="http://schemas.microsoft.com/office/drawing/2010/main" xmlns="" w="9525">
                 <a:solidFill>
                   <a:srgbClr val="000000"/>
                 </a:solidFill>
@@ -2966,7 +2966,7 @@
           <a:p>
             <a:fld id="{DEA6EBF0-8E22-42A7-9BEA-2AC7066E6498}" type="datetimeFigureOut">
               <a:rPr lang="ko-KR" altLang="en-US" smtClean="0"/>
-              <a:t>2023-10-11</a:t>
+              <a:t>2024-03-13</a:t>
             </a:fld>
             <a:endParaRPr lang="ko-KR" altLang="en-US"/>
           </a:p>
@@ -3309,7 +3309,7 @@
           <a:p>
             <a:fld id="{DEA6EBF0-8E22-42A7-9BEA-2AC7066E6498}" type="datetimeFigureOut">
               <a:rPr lang="ko-KR" altLang="en-US" smtClean="0"/>
-              <a:t>2023-10-11</a:t>
+              <a:t>2024-03-13</a:t>
             </a:fld>
             <a:endParaRPr lang="ko-KR" altLang="en-US"/>
           </a:p>
@@ -3464,7 +3464,7 @@
           <a:ln/>
           <a:extLst>
             <a:ext uri="{91240B29-F687-4f45-9708-019B960494DF}">
-              <a14:hiddenLine xmlns="" xmlns:a14="http://schemas.microsoft.com/office/drawing/2010/main" w="9525">
+              <a14:hiddenLine xmlns:a14="http://schemas.microsoft.com/office/drawing/2010/main" xmlns="" w="9525">
                 <a:solidFill>
                   <a:srgbClr val="000000"/>
                 </a:solidFill>
@@ -3648,7 +3648,7 @@
           <a:p>
             <a:fld id="{DEA6EBF0-8E22-42A7-9BEA-2AC7066E6498}" type="datetimeFigureOut">
               <a:rPr lang="ko-KR" altLang="en-US" smtClean="0"/>
-              <a:t>2023-10-11</a:t>
+              <a:t>2024-03-13</a:t>
             </a:fld>
             <a:endParaRPr lang="ko-KR" altLang="en-US"/>
           </a:p>
@@ -3803,7 +3803,7 @@
           <a:ln/>
           <a:extLst>
             <a:ext uri="{91240B29-F687-4f45-9708-019B960494DF}">
-              <a14:hiddenLine xmlns="" xmlns:a14="http://schemas.microsoft.com/office/drawing/2010/main" w="9525">
+              <a14:hiddenLine xmlns:a14="http://schemas.microsoft.com/office/drawing/2010/main" xmlns="" w="9525">
                 <a:solidFill>
                   <a:srgbClr val="000000"/>
                 </a:solidFill>
@@ -4125,7 +4125,7 @@
           <a:p>
             <a:fld id="{DEA6EBF0-8E22-42A7-9BEA-2AC7066E6498}" type="datetimeFigureOut">
               <a:rPr lang="ko-KR" altLang="en-US" smtClean="0"/>
-              <a:t>2023-10-11</a:t>
+              <a:t>2024-03-13</a:t>
             </a:fld>
             <a:endParaRPr lang="ko-KR" altLang="en-US"/>
           </a:p>
@@ -4243,7 +4243,7 @@
           <a:p>
             <a:fld id="{DEA6EBF0-8E22-42A7-9BEA-2AC7066E6498}" type="datetimeFigureOut">
               <a:rPr lang="ko-KR" altLang="en-US" smtClean="0"/>
-              <a:t>2023-10-11</a:t>
+              <a:t>2024-03-13</a:t>
             </a:fld>
             <a:endParaRPr lang="ko-KR" altLang="en-US"/>
           </a:p>
@@ -4338,7 +4338,7 @@
           <a:p>
             <a:fld id="{DEA6EBF0-8E22-42A7-9BEA-2AC7066E6498}" type="datetimeFigureOut">
               <a:rPr lang="ko-KR" altLang="en-US" smtClean="0"/>
-              <a:t>2023-10-11</a:t>
+              <a:t>2024-03-13</a:t>
             </a:fld>
             <a:endParaRPr lang="ko-KR" altLang="en-US"/>
           </a:p>
@@ -4606,7 +4606,7 @@
           <a:ln/>
           <a:extLst>
             <a:ext uri="{91240B29-F687-4f45-9708-019B960494DF}">
-              <a14:hiddenLine xmlns="" xmlns:a14="http://schemas.microsoft.com/office/drawing/2010/main" w="9525">
+              <a14:hiddenLine xmlns:a14="http://schemas.microsoft.com/office/drawing/2010/main" xmlns="" w="9525">
                 <a:solidFill>
                   <a:srgbClr val="000000"/>
                 </a:solidFill>
@@ -4805,7 +4805,7 @@
           <a:p>
             <a:fld id="{DEA6EBF0-8E22-42A7-9BEA-2AC7066E6498}" type="datetimeFigureOut">
               <a:rPr lang="ko-KR" altLang="en-US" smtClean="0"/>
-              <a:t>2023-10-11</a:t>
+              <a:t>2024-03-13</a:t>
             </a:fld>
             <a:endParaRPr lang="ko-KR" altLang="en-US"/>
           </a:p>
@@ -5118,7 +5118,7 @@
           <a:p>
             <a:fld id="{DEA6EBF0-8E22-42A7-9BEA-2AC7066E6498}" type="datetimeFigureOut">
               <a:rPr lang="ko-KR" altLang="en-US" smtClean="0"/>
-              <a:t>2023-10-11</a:t>
+              <a:t>2024-03-13</a:t>
             </a:fld>
             <a:endParaRPr lang="ko-KR" altLang="en-US"/>
           </a:p>
@@ -5388,7 +5388,7 @@
           <a:p>
             <a:fld id="{DEA6EBF0-8E22-42A7-9BEA-2AC7066E6498}" type="datetimeFigureOut">
               <a:rPr lang="ko-KR" altLang="en-US" smtClean="0"/>
-              <a:t>2023-10-11</a:t>
+              <a:t>2024-03-13</a:t>
             </a:fld>
             <a:endParaRPr lang="ko-KR" altLang="en-US"/>
           </a:p>
@@ -5859,8 +5859,8 @@
           <a:lstStyle/>
           <a:p>
             <a:r>
-              <a:rPr lang="en-US" altLang="ko-KR" dirty="0"/>
-              <a:t>Unit Test</a:t>
+              <a:rPr lang="en-US" altLang="ko-KR"/>
+              <a:t>T2_Flow</a:t>
             </a:r>
             <a:endParaRPr lang="ko-KR" altLang="en-US" dirty="0"/>
           </a:p>
